--- a/Automationdashboard/MAIN_FOLDER/Automation_Dashboard_Batterywise/V2/D12_03_2024/B4_B03_10.41_11.48/analysis_B4_B03_10.41_11.48.pptx
+++ b/Automationdashboard/MAIN_FOLDER/Automation_Dashboard_Batterywise/V2/D12_03_2024/B4_B03_10.41_11.48/analysis_B4_B03_10.41_11.48.pptx
@@ -3376,6 +3376,32 @@
                     <a:lstStyle/>
                     <a:p>
                       <a:r>
+                        <a:t>99.0</a:t>
+                      </a:r>
+                    </a:p>
+                  </a:txBody>
+                  <a:tcPr/>
+                </a:tc>
+              </a:tr>
+              <a:tr h="326571">
+                <a:tc>
+                  <a:txBody>
+                    <a:bodyPr/>
+                    <a:lstStyle/>
+                    <a:p>
+                      <a:r>
+                        <a:t>Ending SoC (%)</a:t>
+                      </a:r>
+                    </a:p>
+                  </a:txBody>
+                  <a:tcPr/>
+                </a:tc>
+                <a:tc>
+                  <a:txBody>
+                    <a:bodyPr/>
+                    <a:lstStyle/>
+                    <a:p>
+                      <a:r>
                         <a:t>17.0</a:t>
                       </a:r>
                     </a:p>
@@ -3390,19 +3416,19 @@
                     <a:lstStyle/>
                     <a:p>
                       <a:r>
-                        <a:t>Ending SoC (%)</a:t>
-                      </a:r>
-                    </a:p>
-                  </a:txBody>
-                  <a:tcPr/>
-                </a:tc>
-                <a:tc>
-                  <a:txBody>
-                    <a:bodyPr/>
-                    <a:lstStyle/>
-                    <a:p>
-                      <a:r>
-                        <a:t>99.0</a:t>
+                        <a:t>Total distance covered (km)</a:t>
+                      </a:r>
+                    </a:p>
+                  </a:txBody>
+                  <a:tcPr/>
+                </a:tc>
+                <a:tc>
+                  <a:txBody>
+                    <a:bodyPr/>
+                    <a:lstStyle/>
+                    <a:p>
+                      <a:r>
+                        <a:t>36.218297428121346</a:t>
                       </a:r>
                     </a:p>
                   </a:txBody>
@@ -3416,19 +3442,19 @@
                     <a:lstStyle/>
                     <a:p>
                       <a:r>
-                        <a:t>Total distance covered (in kilometers)</a:t>
-                      </a:r>
-                    </a:p>
-                  </a:txBody>
-                  <a:tcPr/>
-                </a:tc>
-                <a:tc>
-                  <a:txBody>
-                    <a:bodyPr/>
-                    <a:lstStyle/>
-                    <a:p>
-                      <a:r>
-                        <a:t>36.218297428121346</a:t>
+                        <a:t>Total energy consumption(WH/KM)</a:t>
+                      </a:r>
+                    </a:p>
+                  </a:txBody>
+                  <a:tcPr/>
+                </a:tc>
+                <a:tc>
+                  <a:txBody>
+                    <a:bodyPr/>
+                    <a:lstStyle/>
+                    <a:p>
+                      <a:r>
+                        <a:t>45.34236056445818</a:t>
                       </a:r>
                     </a:p>
                   </a:txBody>
@@ -3442,19 +3468,19 @@
                     <a:lstStyle/>
                     <a:p>
                       <a:r>
-                        <a:t>WH/KM</a:t>
-                      </a:r>
-                    </a:p>
-                  </a:txBody>
-                  <a:tcPr/>
-                </a:tc>
-                <a:tc>
-                  <a:txBody>
-                    <a:bodyPr/>
-                    <a:lstStyle/>
-                    <a:p>
-                      <a:r>
-                        <a:t>45.34236056445818</a:t>
+                        <a:t>Total SOC consumed(%)</a:t>
+                      </a:r>
+                    </a:p>
+                  </a:txBody>
+                  <a:tcPr/>
+                </a:tc>
+                <a:tc>
+                  <a:txBody>
+                    <a:bodyPr/>
+                    <a:lstStyle/>
+                    <a:p>
+                      <a:r>
+                        <a:t>82.0</a:t>
                       </a:r>
                     </a:p>
                   </a:txBody>
@@ -3468,19 +3494,44 @@
                     <a:lstStyle/>
                     <a:p>
                       <a:r>
-                        <a:t>Total SOC consumed</a:t>
-                      </a:r>
-                    </a:p>
-                  </a:txBody>
-                  <a:tcPr/>
-                </a:tc>
-                <a:tc>
-                  <a:txBody>
-                    <a:bodyPr/>
-                    <a:lstStyle/>
-                    <a:p>
-                      <a:r>
-                        <a:t>1.0</a:t>
+                        <a:t>Mode</a:t>
+                      </a:r>
+                    </a:p>
+                  </a:txBody>
+                  <a:tcPr/>
+                </a:tc>
+                <a:tc>
+                  <a:txBody>
+                    <a:bodyPr/>
+                    <a:lstStyle/>
+                    <a:p>
+                      <a:r>
+                        <a:t>Custom mode</a:t>
+                      </a:r>
+                    </a:p>
+                    <a:p>
+                      <a:r>
+                        <a:t>79.89%</a:t>
+                      </a:r>
+                    </a:p>
+                    <a:p>
+                      <a:r>
+                        <a:t>Eco mode</a:t>
+                      </a:r>
+                    </a:p>
+                    <a:p>
+                      <a:r>
+                        <a:t>18.74%</a:t>
+                      </a:r>
+                    </a:p>
+                    <a:p>
+                      <a:r>
+                        <a:t>Sports mode</a:t>
+                      </a:r>
+                    </a:p>
+                    <a:p>
+                      <a:r>
+                        <a:t>0.03%</a:t>
                       </a:r>
                     </a:p>
                   </a:txBody>
@@ -3494,58 +3545,7 @@
                     <a:lstStyle/>
                     <a:p>
                       <a:r>
-                        <a:t>Mode</a:t>
-                      </a:r>
-                    </a:p>
-                  </a:txBody>
-                  <a:tcPr/>
-                </a:tc>
-                <a:tc>
-                  <a:txBody>
-                    <a:bodyPr/>
-                    <a:lstStyle/>
-                    <a:p>
-                      <a:r>
-                        <a:t>Custom mode</a:t>
-                      </a:r>
-                    </a:p>
-                    <a:p>
-                      <a:r>
-                        <a:t>79.89%</a:t>
-                      </a:r>
-                    </a:p>
-                    <a:p>
-                      <a:r>
-                        <a:t>Eco mode</a:t>
-                      </a:r>
-                    </a:p>
-                    <a:p>
-                      <a:r>
-                        <a:t>18.74%</a:t>
-                      </a:r>
-                    </a:p>
-                    <a:p>
-                      <a:r>
-                        <a:t>Sports mode</a:t>
-                      </a:r>
-                    </a:p>
-                    <a:p>
-                      <a:r>
-                        <a:t>0.03%</a:t>
-                      </a:r>
-                    </a:p>
-                  </a:txBody>
-                  <a:tcPr/>
-                </a:tc>
-              </a:tr>
-              <a:tr h="326571">
-                <a:tc>
-                  <a:txBody>
-                    <a:bodyPr/>
-                    <a:lstStyle/>
-                    <a:p>
-                      <a:r>
-                        <a:t>Peak Power</a:t>
+                        <a:t>Peak Power(kW)</a:t>
                       </a:r>
                     </a:p>
                   </a:txBody>
@@ -3571,7 +3571,7 @@
                     <a:lstStyle/>
                     <a:p>
                       <a:r>
-                        <a:t>Average Power</a:t>
+                        <a:t>Average Power(kW)</a:t>
                       </a:r>
                     </a:p>
                   </a:txBody>
@@ -3688,7 +3688,7 @@
                     <a:lstStyle/>
                     <a:p>
                       <a:r>
-                        <a:t>Total Energy Regenerated</a:t>
+                        <a:t>Total Energy Regenerated(kWh)</a:t>
                       </a:r>
                     </a:p>
                   </a:txBody>
@@ -3714,19 +3714,19 @@
                     <a:lstStyle/>
                     <a:p>
                       <a:r>
-                        <a:t>Regenerative Effectiveness</a:t>
-                      </a:r>
-                    </a:p>
-                  </a:txBody>
-                  <a:tcPr/>
-                </a:tc>
-                <a:tc>
-                  <a:txBody>
-                    <a:bodyPr/>
-                    <a:lstStyle/>
-                    <a:p>
-                      <a:r>
-                        <a:t>-0.20452753314377137</a:t>
+                        <a:t>Regenerative Effectiveness(%)</a:t>
+                      </a:r>
+                    </a:p>
+                  </a:txBody>
+                  <a:tcPr/>
+                </a:tc>
+                <a:tc>
+                  <a:txBody>
+                    <a:bodyPr/>
+                    <a:lstStyle/>
+                    <a:p>
+                      <a:r>
+                        <a:t>0.20452753314377137</a:t>
                       </a:r>
                     </a:p>
                   </a:txBody>
@@ -3740,7 +3740,33 @@
                     <a:lstStyle/>
                     <a:p>
                       <a:r>
-                        <a:t>Lowest Cell Voltage</a:t>
+                        <a:t>Highest Cell Voltage(V)</a:t>
+                      </a:r>
+                    </a:p>
+                  </a:txBody>
+                  <a:tcPr/>
+                </a:tc>
+                <a:tc>
+                  <a:txBody>
+                    <a:bodyPr/>
+                    <a:lstStyle/>
+                    <a:p>
+                      <a:r>
+                        <a:t>3.491</a:t>
+                      </a:r>
+                    </a:p>
+                  </a:txBody>
+                  <a:tcPr/>
+                </a:tc>
+              </a:tr>
+              <a:tr h="326571">
+                <a:tc>
+                  <a:txBody>
+                    <a:bodyPr/>
+                    <a:lstStyle/>
+                    <a:p>
+                      <a:r>
+                        <a:t>Lowest Cell Voltage(V)</a:t>
                       </a:r>
                     </a:p>
                   </a:txBody>
@@ -3766,19 +3792,19 @@
                     <a:lstStyle/>
                     <a:p>
                       <a:r>
-                        <a:t>Highest Cell Voltage</a:t>
-                      </a:r>
-                    </a:p>
-                  </a:txBody>
-                  <a:tcPr/>
-                </a:tc>
-                <a:tc>
-                  <a:txBody>
-                    <a:bodyPr/>
-                    <a:lstStyle/>
-                    <a:p>
-                      <a:r>
-                        <a:t>3.491</a:t>
+                        <a:t>Difference in Cell Voltage(V)</a:t>
+                      </a:r>
+                    </a:p>
+                  </a:txBody>
+                  <a:tcPr/>
+                </a:tc>
+                <a:tc>
+                  <a:txBody>
+                    <a:bodyPr/>
+                    <a:lstStyle/>
+                    <a:p>
+                      <a:r>
+                        <a:t>0.4590000000000001</a:t>
                       </a:r>
                     </a:p>
                   </a:txBody>
@@ -3792,19 +3818,19 @@
                     <a:lstStyle/>
                     <a:p>
                       <a:r>
-                        <a:t>Difference in Cell Voltage</a:t>
-                      </a:r>
-                    </a:p>
-                  </a:txBody>
-                  <a:tcPr/>
-                </a:tc>
-                <a:tc>
-                  <a:txBody>
-                    <a:bodyPr/>
-                    <a:lstStyle/>
-                    <a:p>
-                      <a:r>
-                        <a:t>0.4590000000000001</a:t>
+                        <a:t>Minimum Temperature(C)</a:t>
+                      </a:r>
+                    </a:p>
+                  </a:txBody>
+                  <a:tcPr/>
+                </a:tc>
+                <a:tc>
+                  <a:txBody>
+                    <a:bodyPr/>
+                    <a:lstStyle/>
+                    <a:p>
+                      <a:r>
+                        <a:t>31.0</a:t>
                       </a:r>
                     </a:p>
                   </a:txBody>
@@ -3818,19 +3844,19 @@
                     <a:lstStyle/>
                     <a:p>
                       <a:r>
-                        <a:t>Minimum Temperature</a:t>
-                      </a:r>
-                    </a:p>
-                  </a:txBody>
-                  <a:tcPr/>
-                </a:tc>
-                <a:tc>
-                  <a:txBody>
-                    <a:bodyPr/>
-                    <a:lstStyle/>
-                    <a:p>
-                      <a:r>
-                        <a:t>31.0</a:t>
+                        <a:t>Maximum Temperature(C)</a:t>
+                      </a:r>
+                    </a:p>
+                  </a:txBody>
+                  <a:tcPr/>
+                </a:tc>
+                <a:tc>
+                  <a:txBody>
+                    <a:bodyPr/>
+                    <a:lstStyle/>
+                    <a:p>
+                      <a:r>
+                        <a:t>47.0</a:t>
                       </a:r>
                     </a:p>
                   </a:txBody>
@@ -3844,19 +3870,19 @@
                     <a:lstStyle/>
                     <a:p>
                       <a:r>
-                        <a:t>Maximum Temperature</a:t>
-                      </a:r>
-                    </a:p>
-                  </a:txBody>
-                  <a:tcPr/>
-                </a:tc>
-                <a:tc>
-                  <a:txBody>
-                    <a:bodyPr/>
-                    <a:lstStyle/>
-                    <a:p>
-                      <a:r>
-                        <a:t>47.0</a:t>
+                        <a:t>Difference in Temperature(C)</a:t>
+                      </a:r>
+                    </a:p>
+                  </a:txBody>
+                  <a:tcPr/>
+                </a:tc>
+                <a:tc>
+                  <a:txBody>
+                    <a:bodyPr/>
+                    <a:lstStyle/>
+                    <a:p>
+                      <a:r>
+                        <a:t>16.0</a:t>
                       </a:r>
                     </a:p>
                   </a:txBody>
@@ -3870,19 +3896,19 @@
                     <a:lstStyle/>
                     <a:p>
                       <a:r>
-                        <a:t>Difference in Temperature</a:t>
-                      </a:r>
-                    </a:p>
-                  </a:txBody>
-                  <a:tcPr/>
-                </a:tc>
-                <a:tc>
-                  <a:txBody>
-                    <a:bodyPr/>
-                    <a:lstStyle/>
-                    <a:p>
-                      <a:r>
-                        <a:t>nan</a:t>
+                        <a:t>Maximum Fet Temperature-BMS(C)</a:t>
+                      </a:r>
+                    </a:p>
+                  </a:txBody>
+                  <a:tcPr/>
+                </a:tc>
+                <a:tc>
+                  <a:txBody>
+                    <a:bodyPr/>
+                    <a:lstStyle/>
+                    <a:p>
+                      <a:r>
+                        <a:t>60.0</a:t>
                       </a:r>
                     </a:p>
                   </a:txBody>
@@ -3896,7 +3922,33 @@
                     <a:lstStyle/>
                     <a:p>
                       <a:r>
-                        <a:t>Maximum Fet Temperature</a:t>
+                        <a:t>Maximum Afe Temperature-BMS(C)</a:t>
+                      </a:r>
+                    </a:p>
+                  </a:txBody>
+                  <a:tcPr/>
+                </a:tc>
+                <a:tc>
+                  <a:txBody>
+                    <a:bodyPr/>
+                    <a:lstStyle/>
+                    <a:p>
+                      <a:r>
+                        <a:t>63.0</a:t>
+                      </a:r>
+                    </a:p>
+                  </a:txBody>
+                  <a:tcPr/>
+                </a:tc>
+              </a:tr>
+              <a:tr h="326571">
+                <a:tc>
+                  <a:txBody>
+                    <a:bodyPr/>
+                    <a:lstStyle/>
+                    <a:p>
+                      <a:r>
+                        <a:t>Maximum PCB Temperature-BMS(C)</a:t>
                       </a:r>
                     </a:p>
                   </a:txBody>
@@ -3922,59 +3974,7 @@
                     <a:lstStyle/>
                     <a:p>
                       <a:r>
-                        <a:t>Maximum Afe Temperature</a:t>
-                      </a:r>
-                    </a:p>
-                  </a:txBody>
-                  <a:tcPr/>
-                </a:tc>
-                <a:tc>
-                  <a:txBody>
-                    <a:bodyPr/>
-                    <a:lstStyle/>
-                    <a:p>
-                      <a:r>
-                        <a:t>63.0</a:t>
-                      </a:r>
-                    </a:p>
-                  </a:txBody>
-                  <a:tcPr/>
-                </a:tc>
-              </a:tr>
-              <a:tr h="326571">
-                <a:tc>
-                  <a:txBody>
-                    <a:bodyPr/>
-                    <a:lstStyle/>
-                    <a:p>
-                      <a:r>
-                        <a:t>Maximum PCB Temperature</a:t>
-                      </a:r>
-                    </a:p>
-                  </a:txBody>
-                  <a:tcPr/>
-                </a:tc>
-                <a:tc>
-                  <a:txBody>
-                    <a:bodyPr/>
-                    <a:lstStyle/>
-                    <a:p>
-                      <a:r>
-                        <a:t>60.0</a:t>
-                      </a:r>
-                    </a:p>
-                  </a:txBody>
-                  <a:tcPr/>
-                </a:tc>
-              </a:tr>
-              <a:tr h="326571">
-                <a:tc>
-                  <a:txBody>
-                    <a:bodyPr/>
-                    <a:lstStyle/>
-                    <a:p>
-                      <a:r>
-                        <a:t>Maximum MCU Temperature</a:t>
+                        <a:t>Maximum MCU Temperature(C)</a:t>
                       </a:r>
                     </a:p>
                   </a:txBody>
@@ -4000,7 +4000,7 @@
                     <a:lstStyle/>
                     <a:p>
                       <a:r>
-                        <a:t>Maximum Motor Temperature</a:t>
+                        <a:t>Maximum Motor Temperature(C)</a:t>
                       </a:r>
                     </a:p>
                   </a:txBody>
@@ -4117,7 +4117,7 @@
                     <a:lstStyle/>
                     <a:p>
                       <a:r>
-                        <a:t>Abnormal Motor Temperature Detected</a:t>
+                        <a:t>Abnormal Motor Temperature Detected(C)</a:t>
                       </a:r>
                     </a:p>
                   </a:txBody>
@@ -4143,7 +4143,7 @@
                     <a:lstStyle/>
                     <a:p>
                       <a:r>
-                        <a:t>lowest cell temp</a:t>
+                        <a:t>highest cell temp(C)</a:t>
                       </a:r>
                     </a:p>
                   </a:txBody>
@@ -4169,7 +4169,7 @@
                     <a:lstStyle/>
                     <a:p>
                       <a:r>
-                        <a:t>highest cell temp</a:t>
+                        <a:t>lowest cell temp(C)</a:t>
                       </a:r>
                     </a:p>
                   </a:txBody>
@@ -4195,7 +4195,7 @@
                     <a:lstStyle/>
                     <a:p>
                       <a:r>
-                        <a:t>Difference between Highest and Lowest Cell Temperature at 100% SOC</a:t>
+                        <a:t>Difference between Highest and Lowest Cell Temperature at 100% SOC(C)</a:t>
                       </a:r>
                     </a:p>
                   </a:txBody>
@@ -4221,19 +4221,19 @@
                     <a:lstStyle/>
                     <a:p>
                       <a:r>
-                        <a:t>Maximum BMS Temperature in C</a:t>
-                      </a:r>
-                    </a:p>
-                  </a:txBody>
-                  <a:tcPr/>
-                </a:tc>
-                <a:tc>
-                  <a:txBody>
-                    <a:bodyPr/>
-                    <a:lstStyle/>
-                    <a:p>
-                      <a:r>
-                        <a:t>60.0</a:t>
+                        <a:t>Battery Voltage(V)</a:t>
+                      </a:r>
+                    </a:p>
+                  </a:txBody>
+                  <a:tcPr/>
+                </a:tc>
+                <a:tc>
+                  <a:txBody>
+                    <a:bodyPr/>
+                    <a:lstStyle/>
+                    <a:p>
+                      <a:r>
+                        <a:t>54.0</a:t>
                       </a:r>
                     </a:p>
                   </a:txBody>
@@ -4247,19 +4247,19 @@
                     <a:lstStyle/>
                     <a:p>
                       <a:r>
-                        <a:t>Battery Voltage</a:t>
-                      </a:r>
-                    </a:p>
-                  </a:txBody>
-                  <a:tcPr/>
-                </a:tc>
-                <a:tc>
-                  <a:txBody>
-                    <a:bodyPr/>
-                    <a:lstStyle/>
-                    <a:p>
-                      <a:r>
-                        <a:t>5.4</a:t>
+                        <a:t>Total energy charged(kWh)</a:t>
+                      </a:r>
+                    </a:p>
+                  </a:txBody>
+                  <a:tcPr/>
+                </a:tc>
+                <a:tc>
+                  <a:txBody>
+                    <a:bodyPr/>
+                    <a:lstStyle/>
+                    <a:p>
+                      <a:r>
+                        <a:t>1.7462609549999997</a:t>
                       </a:r>
                     </a:p>
                   </a:txBody>
@@ -4273,19 +4273,19 @@
                     <a:lstStyle/>
                     <a:p>
                       <a:r>
-                        <a:t>Total energy charged in kWh</a:t>
-                      </a:r>
-                    </a:p>
-                  </a:txBody>
-                  <a:tcPr/>
-                </a:tc>
-                <a:tc>
-                  <a:txBody>
-                    <a:bodyPr/>
-                    <a:lstStyle/>
-                    <a:p>
-                      <a:r>
-                        <a:t>0.1746260955</a:t>
+                        <a:t>Electricity consumption units(kW)</a:t>
+                      </a:r>
+                    </a:p>
+                  </a:txBody>
+                  <a:tcPr/>
+                </a:tc>
+                <a:tc>
+                  <a:txBody>
+                    <a:bodyPr/>
+                    <a:lstStyle/>
+                    <a:p>
+                      <a:r>
+                        <a:t>1.215720520050125e-07</a:t>
                       </a:r>
                     </a:p>
                   </a:txBody>
@@ -4299,19 +4299,19 @@
                     <a:lstStyle/>
                     <a:p>
                       <a:r>
-                        <a:t>Electricity consumption units in kW</a:t>
-                      </a:r>
-                    </a:p>
-                  </a:txBody>
-                  <a:tcPr/>
-                </a:tc>
-                <a:tc>
-                  <a:txBody>
-                    <a:bodyPr/>
-                    <a:lstStyle/>
-                    <a:p>
-                      <a:r>
-                        <a:t>1.2157205200501253e-08</a:t>
+                        <a:t>Idling time percentage</a:t>
+                      </a:r>
+                    </a:p>
+                  </a:txBody>
+                  <a:tcPr/>
+                </a:tc>
+                <a:tc>
+                  <a:txBody>
+                    <a:bodyPr/>
+                    <a:lstStyle/>
+                    <a:p>
+                      <a:r>
+                        <a:t>24.735965941653248</a:t>
                       </a:r>
                     </a:p>
                   </a:txBody>
@@ -4325,19 +4325,19 @@
                     <a:lstStyle/>
                     <a:p>
                       <a:r>
-                        <a:t>Idling time percentage</a:t>
-                      </a:r>
-                    </a:p>
-                  </a:txBody>
-                  <a:tcPr/>
-                </a:tc>
-                <a:tc>
-                  <a:txBody>
-                    <a:bodyPr/>
-                    <a:lstStyle/>
-                    <a:p>
-                      <a:r>
-                        <a:t>15.850230603389459</a:t>
+                        <a:t>Time spent in 0-10 km/h</a:t>
+                      </a:r>
+                    </a:p>
+                  </a:txBody>
+                  <a:tcPr/>
+                </a:tc>
+                <a:tc>
+                  <a:txBody>
+                    <a:bodyPr/>
+                    <a:lstStyle/>
+                    <a:p>
+                      <a:r>
+                        <a:t>5.108752012662719</a:t>
                       </a:r>
                     </a:p>
                   </a:txBody>
@@ -4351,19 +4351,19 @@
                     <a:lstStyle/>
                     <a:p>
                       <a:r>
-                        <a:t>Time spent in 0-10 km/h</a:t>
-                      </a:r>
-                    </a:p>
-                  </a:txBody>
-                  <a:tcPr/>
-                </a:tc>
-                <a:tc>
-                  <a:txBody>
-                    <a:bodyPr/>
-                    <a:lstStyle/>
-                    <a:p>
-                      <a:r>
-                        <a:t>20.95898261605218</a:t>
+                        <a:t>Time spent in 10-20 km/h</a:t>
+                      </a:r>
+                    </a:p>
+                  </a:txBody>
+                  <a:tcPr/>
+                </a:tc>
+                <a:tc>
+                  <a:txBody>
+                    <a:bodyPr/>
+                    <a:lstStyle/>
+                    <a:p>
+                      <a:r>
+                        <a:t>6.153972109270529</a:t>
                       </a:r>
                     </a:p>
                   </a:txBody>
@@ -4377,19 +4377,19 @@
                     <a:lstStyle/>
                     <a:p>
                       <a:r>
-                        <a:t>Time spent in 10-20 km/h</a:t>
-                      </a:r>
-                    </a:p>
-                  </a:txBody>
-                  <a:tcPr/>
-                </a:tc>
-                <a:tc>
-                  <a:txBody>
-                    <a:bodyPr/>
-                    <a:lstStyle/>
-                    <a:p>
-                      <a:r>
-                        <a:t>6.159430177660126</a:t>
+                        <a:t>Time spent in 20-30 km/h</a:t>
+                      </a:r>
+                    </a:p>
+                  </a:txBody>
+                  <a:tcPr/>
+                </a:tc>
+                <a:tc>
+                  <a:txBody>
+                    <a:bodyPr/>
+                    <a:lstStyle/>
+                    <a:p>
+                      <a:r>
+                        <a:t>9.349671151379527</a:t>
                       </a:r>
                     </a:p>
                   </a:txBody>
@@ -4403,19 +4403,19 @@
                     <a:lstStyle/>
                     <a:p>
                       <a:r>
-                        <a:t>Time spent in 20-30 km/h</a:t>
-                      </a:r>
-                    </a:p>
-                  </a:txBody>
-                  <a:tcPr/>
-                </a:tc>
-                <a:tc>
-                  <a:txBody>
-                    <a:bodyPr/>
-                    <a:lstStyle/>
-                    <a:p>
-                      <a:r>
-                        <a:t>9.376961493327512</a:t>
+                        <a:t>Time spent in 30-40 km/h</a:t>
+                      </a:r>
+                    </a:p>
+                  </a:txBody>
+                  <a:tcPr/>
+                </a:tc>
+                <a:tc>
+                  <a:txBody>
+                    <a:bodyPr/>
+                    <a:lstStyle/>
+                    <a:p>
+                      <a:r>
+                        <a:t>14.190977812951996</a:t>
                       </a:r>
                     </a:p>
                   </a:txBody>
@@ -4429,19 +4429,19 @@
                     <a:lstStyle/>
                     <a:p>
                       <a:r>
-                        <a:t>Time spent in 30-40 km/h</a:t>
-                      </a:r>
-                    </a:p>
-                  </a:txBody>
-                  <a:tcPr/>
-                </a:tc>
-                <a:tc>
-                  <a:txBody>
-                    <a:bodyPr/>
-                    <a:lstStyle/>
-                    <a:p>
-                      <a:r>
-                        <a:t>14.21553912070518</a:t>
+                        <a:t>Time spent in 40-50 km/h</a:t>
+                      </a:r>
+                    </a:p>
+                  </a:txBody>
+                  <a:tcPr/>
+                </a:tc>
+                <a:tc>
+                  <a:txBody>
+                    <a:bodyPr/>
+                    <a:lstStyle/>
+                    <a:p>
+                      <a:r>
+                        <a:t>8.708348115601888</a:t>
                       </a:r>
                     </a:p>
                   </a:txBody>
@@ -4546,19 +4546,19 @@
                     <a:lstStyle/>
                     <a:p>
                       <a:r>
-                        <a:t>Time spent in 40-50 km/h</a:t>
-                      </a:r>
-                    </a:p>
-                  </a:txBody>
-                  <a:tcPr/>
-                </a:tc>
-                <a:tc>
-                  <a:txBody>
-                    <a:bodyPr/>
-                    <a:lstStyle/>
-                    <a:p>
-                      <a:r>
-                        <a:t>8.711077149796687</a:t>
+                        <a:t>Time spent in 50-60 km/h</a:t>
+                      </a:r>
+                    </a:p>
+                  </a:txBody>
+                  <a:tcPr/>
+                </a:tc>
+                <a:tc>
+                  <a:txBody>
+                    <a:bodyPr/>
+                    <a:lstStyle/>
+                    <a:p>
+                      <a:r>
+                        <a:t>6.5360368965423135</a:t>
                       </a:r>
                     </a:p>
                   </a:txBody>
@@ -4572,19 +4572,19 @@
                     <a:lstStyle/>
                     <a:p>
                       <a:r>
-                        <a:t>Time spent in 50-60 km/h</a:t>
-                      </a:r>
-                    </a:p>
-                  </a:txBody>
-                  <a:tcPr/>
-                </a:tc>
-                <a:tc>
-                  <a:txBody>
-                    <a:bodyPr/>
-                    <a:lstStyle/>
-                    <a:p>
-                      <a:r>
-                        <a:t>6.555140135905903</a:t>
+                        <a:t>Time spent in 60-70 km/h</a:t>
+                      </a:r>
+                    </a:p>
+                  </a:txBody>
+                  <a:tcPr/>
+                </a:tc>
+                <a:tc>
+                  <a:txBody>
+                    <a:bodyPr/>
+                    <a:lstStyle/>
+                    <a:p>
+                      <a:r>
+                        <a:t>14.48571350599023</a:t>
                       </a:r>
                     </a:p>
                   </a:txBody>
@@ -4598,19 +4598,19 @@
                     <a:lstStyle/>
                     <a:p>
                       <a:r>
-                        <a:t>Time spent in 60-70 km/h</a:t>
-                      </a:r>
-                    </a:p>
-                  </a:txBody>
-                  <a:tcPr/>
-                </a:tc>
-                <a:tc>
-                  <a:txBody>
-                    <a:bodyPr/>
-                    <a:lstStyle/>
-                    <a:p>
-                      <a:r>
-                        <a:t>14.488442540185028</a:t>
+                        <a:t>Time spent in 70-80 km/h</a:t>
+                      </a:r>
+                    </a:p>
+                  </a:txBody>
+                  <a:tcPr/>
+                </a:tc>
+                <a:tc>
+                  <a:txBody>
+                    <a:bodyPr/>
+                    <a:lstStyle/>
+                    <a:p>
+                      <a:r>
+                        <a:t>10.61867205196081</a:t>
                       </a:r>
                     </a:p>
                   </a:txBody>
@@ -4622,15 +4622,23 @@
                   <a:txBody>
                     <a:bodyPr/>
                     <a:lstStyle/>
-                    <a:p/>
-                  </a:txBody>
-                  <a:tcPr/>
-                </a:tc>
-                <a:tc>
-                  <a:txBody>
-                    <a:bodyPr/>
-                    <a:lstStyle/>
-                    <a:p/>
+                    <a:p>
+                      <a:r>
+                        <a:t>Time spent in 80-90 km/h</a:t>
+                      </a:r>
+                    </a:p>
+                  </a:txBody>
+                  <a:tcPr/>
+                </a:tc>
+                <a:tc>
+                  <a:txBody>
+                    <a:bodyPr/>
+                    <a:lstStyle/>
+                    <a:p>
+                      <a:r>
+                        <a:t>0.0</a:t>
+                      </a:r>
+                    </a:p>
                   </a:txBody>
                   <a:tcPr/>
                 </a:tc>

--- a/Automationdashboard/MAIN_FOLDER/Automation_Dashboard_Batterywise/V2/D12_03_2024/B4_B03_10.41_11.48/analysis_B4_B03_10.41_11.48.pptx
+++ b/Automationdashboard/MAIN_FOLDER/Automation_Dashboard_Batterywise/V2/D12_03_2024/B4_B03_10.41_11.48/analysis_B4_B03_10.41_11.48.pptx
@@ -3234,6 +3234,32 @@
                     <a:lstStyle/>
                     <a:p>
                       <a:r>
+                        <a:t>Date and Time</a:t>
+                      </a:r>
+                    </a:p>
+                  </a:txBody>
+                  <a:tcPr/>
+                </a:tc>
+                <a:tc>
+                  <a:txBody>
+                    <a:bodyPr/>
+                    <a:lstStyle/>
+                    <a:p>
+                      <a:r>
+                        <a:t>2024-03-12 10:41:58.064000 to 2024-03-12 11:48:27.259000</a:t>
+                      </a:r>
+                    </a:p>
+                  </a:txBody>
+                  <a:tcPr/>
+                </a:tc>
+              </a:tr>
+              <a:tr h="326571">
+                <a:tc>
+                  <a:txBody>
+                    <a:bodyPr/>
+                    <a:lstStyle/>
+                    <a:p>
+                      <a:r>
                         <a:t>Total time taken for the ride</a:t>
                       </a:r>
                     </a:p>
@@ -3376,6 +3402,32 @@
                     <a:lstStyle/>
                     <a:p>
                       <a:r>
+                        <a:t>99.0</a:t>
+                      </a:r>
+                    </a:p>
+                  </a:txBody>
+                  <a:tcPr/>
+                </a:tc>
+              </a:tr>
+              <a:tr h="326571">
+                <a:tc>
+                  <a:txBody>
+                    <a:bodyPr/>
+                    <a:lstStyle/>
+                    <a:p>
+                      <a:r>
+                        <a:t>Ending SoC (%)</a:t>
+                      </a:r>
+                    </a:p>
+                  </a:txBody>
+                  <a:tcPr/>
+                </a:tc>
+                <a:tc>
+                  <a:txBody>
+                    <a:bodyPr/>
+                    <a:lstStyle/>
+                    <a:p>
+                      <a:r>
                         <a:t>17.0</a:t>
                       </a:r>
                     </a:p>
@@ -3390,19 +3442,19 @@
                     <a:lstStyle/>
                     <a:p>
                       <a:r>
-                        <a:t>Ending SoC (%)</a:t>
-                      </a:r>
-                    </a:p>
-                  </a:txBody>
-                  <a:tcPr/>
-                </a:tc>
-                <a:tc>
-                  <a:txBody>
-                    <a:bodyPr/>
-                    <a:lstStyle/>
-                    <a:p>
-                      <a:r>
-                        <a:t>99.0</a:t>
+                        <a:t>Total distance covered (km)</a:t>
+                      </a:r>
+                    </a:p>
+                  </a:txBody>
+                  <a:tcPr/>
+                </a:tc>
+                <a:tc>
+                  <a:txBody>
+                    <a:bodyPr/>
+                    <a:lstStyle/>
+                    <a:p>
+                      <a:r>
+                        <a:t>36.218297428121346</a:t>
                       </a:r>
                     </a:p>
                   </a:txBody>
@@ -3416,19 +3468,19 @@
                     <a:lstStyle/>
                     <a:p>
                       <a:r>
-                        <a:t>Total distance covered (in kilometers)</a:t>
-                      </a:r>
-                    </a:p>
-                  </a:txBody>
-                  <a:tcPr/>
-                </a:tc>
-                <a:tc>
-                  <a:txBody>
-                    <a:bodyPr/>
-                    <a:lstStyle/>
-                    <a:p>
-                      <a:r>
-                        <a:t>36.218297428121346</a:t>
+                        <a:t>Total energy consumption(WH/KM)</a:t>
+                      </a:r>
+                    </a:p>
+                  </a:txBody>
+                  <a:tcPr/>
+                </a:tc>
+                <a:tc>
+                  <a:txBody>
+                    <a:bodyPr/>
+                    <a:lstStyle/>
+                    <a:p>
+                      <a:r>
+                        <a:t>45.34236056445818</a:t>
                       </a:r>
                     </a:p>
                   </a:txBody>
@@ -3442,19 +3494,19 @@
                     <a:lstStyle/>
                     <a:p>
                       <a:r>
-                        <a:t>WH/KM</a:t>
-                      </a:r>
-                    </a:p>
-                  </a:txBody>
-                  <a:tcPr/>
-                </a:tc>
-                <a:tc>
-                  <a:txBody>
-                    <a:bodyPr/>
-                    <a:lstStyle/>
-                    <a:p>
-                      <a:r>
-                        <a:t>45.34236056445818</a:t>
+                        <a:t>Total SOC consumed(%)</a:t>
+                      </a:r>
+                    </a:p>
+                  </a:txBody>
+                  <a:tcPr/>
+                </a:tc>
+                <a:tc>
+                  <a:txBody>
+                    <a:bodyPr/>
+                    <a:lstStyle/>
+                    <a:p>
+                      <a:r>
+                        <a:t>82.0</a:t>
                       </a:r>
                     </a:p>
                   </a:txBody>
@@ -3468,32 +3520,6 @@
                     <a:lstStyle/>
                     <a:p>
                       <a:r>
-                        <a:t>Total SOC consumed</a:t>
-                      </a:r>
-                    </a:p>
-                  </a:txBody>
-                  <a:tcPr/>
-                </a:tc>
-                <a:tc>
-                  <a:txBody>
-                    <a:bodyPr/>
-                    <a:lstStyle/>
-                    <a:p>
-                      <a:r>
-                        <a:t>1.0</a:t>
-                      </a:r>
-                    </a:p>
-                  </a:txBody>
-                  <a:tcPr/>
-                </a:tc>
-              </a:tr>
-              <a:tr h="326571">
-                <a:tc>
-                  <a:txBody>
-                    <a:bodyPr/>
-                    <a:lstStyle/>
-                    <a:p>
-                      <a:r>
                         <a:t>Mode</a:t>
                       </a:r>
                     </a:p>
@@ -3538,14 +3564,14 @@
                   <a:tcPr/>
                 </a:tc>
               </a:tr>
-              <a:tr h="326571">
-                <a:tc>
-                  <a:txBody>
-                    <a:bodyPr/>
-                    <a:lstStyle/>
-                    <a:p>
-                      <a:r>
-                        <a:t>Peak Power</a:t>
+              <a:tr h="326577">
+                <a:tc>
+                  <a:txBody>
+                    <a:bodyPr/>
+                    <a:lstStyle/>
+                    <a:p>
+                      <a:r>
+                        <a:t>Peak Power(kW)</a:t>
                       </a:r>
                     </a:p>
                   </a:txBody>
@@ -3558,32 +3584,6 @@
                     <a:p>
                       <a:r>
                         <a:t>5233.3208</a:t>
-                      </a:r>
-                    </a:p>
-                  </a:txBody>
-                  <a:tcPr/>
-                </a:tc>
-              </a:tr>
-              <a:tr h="326577">
-                <a:tc>
-                  <a:txBody>
-                    <a:bodyPr/>
-                    <a:lstStyle/>
-                    <a:p>
-                      <a:r>
-                        <a:t>Average Power</a:t>
-                      </a:r>
-                    </a:p>
-                  </a:txBody>
-                  <a:tcPr/>
-                </a:tc>
-                <a:tc>
-                  <a:txBody>
-                    <a:bodyPr/>
-                    <a:lstStyle/>
-                    <a:p>
-                      <a:r>
-                        <a:t>-1489.9201521320563</a:t>
                       </a:r>
                     </a:p>
                   </a:txBody>
@@ -3688,7 +3688,33 @@
                     <a:lstStyle/>
                     <a:p>
                       <a:r>
-                        <a:t>Total Energy Regenerated</a:t>
+                        <a:t>Average Power(kW)</a:t>
+                      </a:r>
+                    </a:p>
+                  </a:txBody>
+                  <a:tcPr/>
+                </a:tc>
+                <a:tc>
+                  <a:txBody>
+                    <a:bodyPr/>
+                    <a:lstStyle/>
+                    <a:p>
+                      <a:r>
+                        <a:t>-1489.9201521320563</a:t>
+                      </a:r>
+                    </a:p>
+                  </a:txBody>
+                  <a:tcPr/>
+                </a:tc>
+              </a:tr>
+              <a:tr h="326571">
+                <a:tc>
+                  <a:txBody>
+                    <a:bodyPr/>
+                    <a:lstStyle/>
+                    <a:p>
+                      <a:r>
+                        <a:t>Total Energy Regenerated(kWh)</a:t>
                       </a:r>
                     </a:p>
                   </a:txBody>
@@ -3714,19 +3740,19 @@
                     <a:lstStyle/>
                     <a:p>
                       <a:r>
-                        <a:t>Regenerative Effectiveness</a:t>
-                      </a:r>
-                    </a:p>
-                  </a:txBody>
-                  <a:tcPr/>
-                </a:tc>
-                <a:tc>
-                  <a:txBody>
-                    <a:bodyPr/>
-                    <a:lstStyle/>
-                    <a:p>
-                      <a:r>
-                        <a:t>-0.20452753314377137</a:t>
+                        <a:t>Regenerative Effectiveness(%)</a:t>
+                      </a:r>
+                    </a:p>
+                  </a:txBody>
+                  <a:tcPr/>
+                </a:tc>
+                <a:tc>
+                  <a:txBody>
+                    <a:bodyPr/>
+                    <a:lstStyle/>
+                    <a:p>
+                      <a:r>
+                        <a:t>0.20452753314377137</a:t>
                       </a:r>
                     </a:p>
                   </a:txBody>
@@ -3740,7 +3766,33 @@
                     <a:lstStyle/>
                     <a:p>
                       <a:r>
-                        <a:t>Lowest Cell Voltage</a:t>
+                        <a:t>Highest Cell Voltage(V)</a:t>
+                      </a:r>
+                    </a:p>
+                  </a:txBody>
+                  <a:tcPr/>
+                </a:tc>
+                <a:tc>
+                  <a:txBody>
+                    <a:bodyPr/>
+                    <a:lstStyle/>
+                    <a:p>
+                      <a:r>
+                        <a:t>3.491</a:t>
+                      </a:r>
+                    </a:p>
+                  </a:txBody>
+                  <a:tcPr/>
+                </a:tc>
+              </a:tr>
+              <a:tr h="326571">
+                <a:tc>
+                  <a:txBody>
+                    <a:bodyPr/>
+                    <a:lstStyle/>
+                    <a:p>
+                      <a:r>
+                        <a:t>Lowest Cell Voltage(V)</a:t>
                       </a:r>
                     </a:p>
                   </a:txBody>
@@ -3766,19 +3818,19 @@
                     <a:lstStyle/>
                     <a:p>
                       <a:r>
-                        <a:t>Highest Cell Voltage</a:t>
-                      </a:r>
-                    </a:p>
-                  </a:txBody>
-                  <a:tcPr/>
-                </a:tc>
-                <a:tc>
-                  <a:txBody>
-                    <a:bodyPr/>
-                    <a:lstStyle/>
-                    <a:p>
-                      <a:r>
-                        <a:t>3.491</a:t>
+                        <a:t>Difference in Cell Voltage(V)</a:t>
+                      </a:r>
+                    </a:p>
+                  </a:txBody>
+                  <a:tcPr/>
+                </a:tc>
+                <a:tc>
+                  <a:txBody>
+                    <a:bodyPr/>
+                    <a:lstStyle/>
+                    <a:p>
+                      <a:r>
+                        <a:t>0.4590000000000001</a:t>
                       </a:r>
                     </a:p>
                   </a:txBody>
@@ -3792,19 +3844,19 @@
                     <a:lstStyle/>
                     <a:p>
                       <a:r>
-                        <a:t>Difference in Cell Voltage</a:t>
-                      </a:r>
-                    </a:p>
-                  </a:txBody>
-                  <a:tcPr/>
-                </a:tc>
-                <a:tc>
-                  <a:txBody>
-                    <a:bodyPr/>
-                    <a:lstStyle/>
-                    <a:p>
-                      <a:r>
-                        <a:t>0.4590000000000001</a:t>
+                        <a:t>Minimum Temperature(C)</a:t>
+                      </a:r>
+                    </a:p>
+                  </a:txBody>
+                  <a:tcPr/>
+                </a:tc>
+                <a:tc>
+                  <a:txBody>
+                    <a:bodyPr/>
+                    <a:lstStyle/>
+                    <a:p>
+                      <a:r>
+                        <a:t>31.0</a:t>
                       </a:r>
                     </a:p>
                   </a:txBody>
@@ -3818,19 +3870,19 @@
                     <a:lstStyle/>
                     <a:p>
                       <a:r>
-                        <a:t>Minimum Temperature</a:t>
-                      </a:r>
-                    </a:p>
-                  </a:txBody>
-                  <a:tcPr/>
-                </a:tc>
-                <a:tc>
-                  <a:txBody>
-                    <a:bodyPr/>
-                    <a:lstStyle/>
-                    <a:p>
-                      <a:r>
-                        <a:t>31.0</a:t>
+                        <a:t>Maximum Temperature(C)</a:t>
+                      </a:r>
+                    </a:p>
+                  </a:txBody>
+                  <a:tcPr/>
+                </a:tc>
+                <a:tc>
+                  <a:txBody>
+                    <a:bodyPr/>
+                    <a:lstStyle/>
+                    <a:p>
+                      <a:r>
+                        <a:t>47.0</a:t>
                       </a:r>
                     </a:p>
                   </a:txBody>
@@ -3844,19 +3896,19 @@
                     <a:lstStyle/>
                     <a:p>
                       <a:r>
-                        <a:t>Maximum Temperature</a:t>
-                      </a:r>
-                    </a:p>
-                  </a:txBody>
-                  <a:tcPr/>
-                </a:tc>
-                <a:tc>
-                  <a:txBody>
-                    <a:bodyPr/>
-                    <a:lstStyle/>
-                    <a:p>
-                      <a:r>
-                        <a:t>47.0</a:t>
+                        <a:t>Difference in Temperature(C)</a:t>
+                      </a:r>
+                    </a:p>
+                  </a:txBody>
+                  <a:tcPr/>
+                </a:tc>
+                <a:tc>
+                  <a:txBody>
+                    <a:bodyPr/>
+                    <a:lstStyle/>
+                    <a:p>
+                      <a:r>
+                        <a:t>16.0</a:t>
                       </a:r>
                     </a:p>
                   </a:txBody>
@@ -3870,19 +3922,19 @@
                     <a:lstStyle/>
                     <a:p>
                       <a:r>
-                        <a:t>Difference in Temperature</a:t>
-                      </a:r>
-                    </a:p>
-                  </a:txBody>
-                  <a:tcPr/>
-                </a:tc>
-                <a:tc>
-                  <a:txBody>
-                    <a:bodyPr/>
-                    <a:lstStyle/>
-                    <a:p>
-                      <a:r>
-                        <a:t>nan</a:t>
+                        <a:t>Maximum Fet Temperature-BMS(C)</a:t>
+                      </a:r>
+                    </a:p>
+                  </a:txBody>
+                  <a:tcPr/>
+                </a:tc>
+                <a:tc>
+                  <a:txBody>
+                    <a:bodyPr/>
+                    <a:lstStyle/>
+                    <a:p>
+                      <a:r>
+                        <a:t>60.0</a:t>
                       </a:r>
                     </a:p>
                   </a:txBody>
@@ -3896,7 +3948,33 @@
                     <a:lstStyle/>
                     <a:p>
                       <a:r>
-                        <a:t>Maximum Fet Temperature</a:t>
+                        <a:t>Maximum Afe Temperature-BMS(C)</a:t>
+                      </a:r>
+                    </a:p>
+                  </a:txBody>
+                  <a:tcPr/>
+                </a:tc>
+                <a:tc>
+                  <a:txBody>
+                    <a:bodyPr/>
+                    <a:lstStyle/>
+                    <a:p>
+                      <a:r>
+                        <a:t>63.0</a:t>
+                      </a:r>
+                    </a:p>
+                  </a:txBody>
+                  <a:tcPr/>
+                </a:tc>
+              </a:tr>
+              <a:tr h="326571">
+                <a:tc>
+                  <a:txBody>
+                    <a:bodyPr/>
+                    <a:lstStyle/>
+                    <a:p>
+                      <a:r>
+                        <a:t>Maximum PCB Temperature-BMS(C)</a:t>
                       </a:r>
                     </a:p>
                   </a:txBody>
@@ -3915,66 +3993,14 @@
                   <a:tcPr/>
                 </a:tc>
               </a:tr>
-              <a:tr h="326571">
-                <a:tc>
-                  <a:txBody>
-                    <a:bodyPr/>
-                    <a:lstStyle/>
-                    <a:p>
-                      <a:r>
-                        <a:t>Maximum Afe Temperature</a:t>
-                      </a:r>
-                    </a:p>
-                  </a:txBody>
-                  <a:tcPr/>
-                </a:tc>
-                <a:tc>
-                  <a:txBody>
-                    <a:bodyPr/>
-                    <a:lstStyle/>
-                    <a:p>
-                      <a:r>
-                        <a:t>63.0</a:t>
-                      </a:r>
-                    </a:p>
-                  </a:txBody>
-                  <a:tcPr/>
-                </a:tc>
-              </a:tr>
-              <a:tr h="326571">
-                <a:tc>
-                  <a:txBody>
-                    <a:bodyPr/>
-                    <a:lstStyle/>
-                    <a:p>
-                      <a:r>
-                        <a:t>Maximum PCB Temperature</a:t>
-                      </a:r>
-                    </a:p>
-                  </a:txBody>
-                  <a:tcPr/>
-                </a:tc>
-                <a:tc>
-                  <a:txBody>
-                    <a:bodyPr/>
-                    <a:lstStyle/>
-                    <a:p>
-                      <a:r>
-                        <a:t>60.0</a:t>
-                      </a:r>
-                    </a:p>
-                  </a:txBody>
-                  <a:tcPr/>
-                </a:tc>
-              </a:tr>
-              <a:tr h="326571">
-                <a:tc>
-                  <a:txBody>
-                    <a:bodyPr/>
-                    <a:lstStyle/>
-                    <a:p>
-                      <a:r>
-                        <a:t>Maximum MCU Temperature</a:t>
+              <a:tr h="326577">
+                <a:tc>
+                  <a:txBody>
+                    <a:bodyPr/>
+                    <a:lstStyle/>
+                    <a:p>
+                      <a:r>
+                        <a:t>Maximum MCU Temperature(C)</a:t>
                       </a:r>
                     </a:p>
                   </a:txBody>
@@ -3987,32 +4013,6 @@
                     <a:p>
                       <a:r>
                         <a:t>59.0</a:t>
-                      </a:r>
-                    </a:p>
-                  </a:txBody>
-                  <a:tcPr/>
-                </a:tc>
-              </a:tr>
-              <a:tr h="326577">
-                <a:tc>
-                  <a:txBody>
-                    <a:bodyPr/>
-                    <a:lstStyle/>
-                    <a:p>
-                      <a:r>
-                        <a:t>Maximum Motor Temperature</a:t>
-                      </a:r>
-                    </a:p>
-                  </a:txBody>
-                  <a:tcPr/>
-                </a:tc>
-                <a:tc>
-                  <a:txBody>
-                    <a:bodyPr/>
-                    <a:lstStyle/>
-                    <a:p>
-                      <a:r>
-                        <a:t>98.0</a:t>
                       </a:r>
                     </a:p>
                   </a:txBody>
@@ -4117,7 +4117,33 @@
                     <a:lstStyle/>
                     <a:p>
                       <a:r>
-                        <a:t>Abnormal Motor Temperature Detected</a:t>
+                        <a:t>Maximum Motor Temperature(C)</a:t>
+                      </a:r>
+                    </a:p>
+                  </a:txBody>
+                  <a:tcPr/>
+                </a:tc>
+                <a:tc>
+                  <a:txBody>
+                    <a:bodyPr/>
+                    <a:lstStyle/>
+                    <a:p>
+                      <a:r>
+                        <a:t>98.0</a:t>
+                      </a:r>
+                    </a:p>
+                  </a:txBody>
+                  <a:tcPr/>
+                </a:tc>
+              </a:tr>
+              <a:tr h="326571">
+                <a:tc>
+                  <a:txBody>
+                    <a:bodyPr/>
+                    <a:lstStyle/>
+                    <a:p>
+                      <a:r>
+                        <a:t>Abnormal Motor Temperature Detected(C)</a:t>
                       </a:r>
                     </a:p>
                   </a:txBody>
@@ -4143,7 +4169,7 @@
                     <a:lstStyle/>
                     <a:p>
                       <a:r>
-                        <a:t>lowest cell temp</a:t>
+                        <a:t>highest cell temp(C)</a:t>
                       </a:r>
                     </a:p>
                   </a:txBody>
@@ -4169,7 +4195,7 @@
                     <a:lstStyle/>
                     <a:p>
                       <a:r>
-                        <a:t>highest cell temp</a:t>
+                        <a:t>lowest cell temp(C)</a:t>
                       </a:r>
                     </a:p>
                   </a:txBody>
@@ -4195,7 +4221,7 @@
                     <a:lstStyle/>
                     <a:p>
                       <a:r>
-                        <a:t>Difference between Highest and Lowest Cell Temperature at 100% SOC</a:t>
+                        <a:t>Difference between Highest and Lowest Cell Temperature at 100% SOC(C)</a:t>
                       </a:r>
                     </a:p>
                   </a:txBody>
@@ -4221,19 +4247,19 @@
                     <a:lstStyle/>
                     <a:p>
                       <a:r>
-                        <a:t>Maximum BMS Temperature in C</a:t>
-                      </a:r>
-                    </a:p>
-                  </a:txBody>
-                  <a:tcPr/>
-                </a:tc>
-                <a:tc>
-                  <a:txBody>
-                    <a:bodyPr/>
-                    <a:lstStyle/>
-                    <a:p>
-                      <a:r>
-                        <a:t>60.0</a:t>
+                        <a:t>Battery Voltage(V)</a:t>
+                      </a:r>
+                    </a:p>
+                  </a:txBody>
+                  <a:tcPr/>
+                </a:tc>
+                <a:tc>
+                  <a:txBody>
+                    <a:bodyPr/>
+                    <a:lstStyle/>
+                    <a:p>
+                      <a:r>
+                        <a:t>54.0</a:t>
                       </a:r>
                     </a:p>
                   </a:txBody>
@@ -4247,19 +4273,19 @@
                     <a:lstStyle/>
                     <a:p>
                       <a:r>
-                        <a:t>Battery Voltage</a:t>
-                      </a:r>
-                    </a:p>
-                  </a:txBody>
-                  <a:tcPr/>
-                </a:tc>
-                <a:tc>
-                  <a:txBody>
-                    <a:bodyPr/>
-                    <a:lstStyle/>
-                    <a:p>
-                      <a:r>
-                        <a:t>5.4</a:t>
+                        <a:t>Total energy charged(kWh)</a:t>
+                      </a:r>
+                    </a:p>
+                  </a:txBody>
+                  <a:tcPr/>
+                </a:tc>
+                <a:tc>
+                  <a:txBody>
+                    <a:bodyPr/>
+                    <a:lstStyle/>
+                    <a:p>
+                      <a:r>
+                        <a:t>1.7462609549999997</a:t>
                       </a:r>
                     </a:p>
                   </a:txBody>
@@ -4273,19 +4299,19 @@
                     <a:lstStyle/>
                     <a:p>
                       <a:r>
-                        <a:t>Total energy charged in kWh</a:t>
-                      </a:r>
-                    </a:p>
-                  </a:txBody>
-                  <a:tcPr/>
-                </a:tc>
-                <a:tc>
-                  <a:txBody>
-                    <a:bodyPr/>
-                    <a:lstStyle/>
-                    <a:p>
-                      <a:r>
-                        <a:t>0.1746260955</a:t>
+                        <a:t>Electricity consumption units(kW)</a:t>
+                      </a:r>
+                    </a:p>
+                  </a:txBody>
+                  <a:tcPr/>
+                </a:tc>
+                <a:tc>
+                  <a:txBody>
+                    <a:bodyPr/>
+                    <a:lstStyle/>
+                    <a:p>
+                      <a:r>
+                        <a:t>1.215720520050125e-07</a:t>
                       </a:r>
                     </a:p>
                   </a:txBody>
@@ -4299,19 +4325,19 @@
                     <a:lstStyle/>
                     <a:p>
                       <a:r>
-                        <a:t>Electricity consumption units in kW</a:t>
-                      </a:r>
-                    </a:p>
-                  </a:txBody>
-                  <a:tcPr/>
-                </a:tc>
-                <a:tc>
-                  <a:txBody>
-                    <a:bodyPr/>
-                    <a:lstStyle/>
-                    <a:p>
-                      <a:r>
-                        <a:t>1.2157205200501253e-08</a:t>
+                        <a:t>Cycle Count of battery</a:t>
+                      </a:r>
+                    </a:p>
+                  </a:txBody>
+                  <a:tcPr/>
+                </a:tc>
+                <a:tc>
+                  <a:txBody>
+                    <a:bodyPr/>
+                    <a:lstStyle/>
+                    <a:p>
+                      <a:r>
+                        <a:t>53.0</a:t>
                       </a:r>
                     </a:p>
                   </a:txBody>
@@ -4337,7 +4363,7 @@
                     <a:lstStyle/>
                     <a:p>
                       <a:r>
-                        <a:t>15.850230603389459</a:t>
+                        <a:t>24.735965941653248</a:t>
                       </a:r>
                     </a:p>
                   </a:txBody>
@@ -4363,7 +4389,7 @@
                     <a:lstStyle/>
                     <a:p>
                       <a:r>
-                        <a:t>20.95898261605218</a:t>
+                        <a:t>5.108752012662719</a:t>
                       </a:r>
                     </a:p>
                   </a:txBody>
@@ -4389,14 +4415,14 @@
                     <a:lstStyle/>
                     <a:p>
                       <a:r>
-                        <a:t>6.159430177660126</a:t>
-                      </a:r>
-                    </a:p>
-                  </a:txBody>
-                  <a:tcPr/>
-                </a:tc>
-              </a:tr>
-              <a:tr h="326571">
+                        <a:t>6.153972109270529</a:t>
+                      </a:r>
+                    </a:p>
+                  </a:txBody>
+                  <a:tcPr/>
+                </a:tc>
+              </a:tr>
+              <a:tr h="326577">
                 <a:tc>
                   <a:txBody>
                     <a:bodyPr/>
@@ -4415,33 +4441,7 @@
                     <a:lstStyle/>
                     <a:p>
                       <a:r>
-                        <a:t>9.376961493327512</a:t>
-                      </a:r>
-                    </a:p>
-                  </a:txBody>
-                  <a:tcPr/>
-                </a:tc>
-              </a:tr>
-              <a:tr h="326577">
-                <a:tc>
-                  <a:txBody>
-                    <a:bodyPr/>
-                    <a:lstStyle/>
-                    <a:p>
-                      <a:r>
-                        <a:t>Time spent in 30-40 km/h</a:t>
-                      </a:r>
-                    </a:p>
-                  </a:txBody>
-                  <a:tcPr/>
-                </a:tc>
-                <a:tc>
-                  <a:txBody>
-                    <a:bodyPr/>
-                    <a:lstStyle/>
-                    <a:p>
-                      <a:r>
-                        <a:t>14.21553912070518</a:t>
+                        <a:t>9.349671151379527</a:t>
                       </a:r>
                     </a:p>
                   </a:txBody>
@@ -4546,6 +4546,32 @@
                     <a:lstStyle/>
                     <a:p>
                       <a:r>
+                        <a:t>Time spent in 30-40 km/h</a:t>
+                      </a:r>
+                    </a:p>
+                  </a:txBody>
+                  <a:tcPr/>
+                </a:tc>
+                <a:tc>
+                  <a:txBody>
+                    <a:bodyPr/>
+                    <a:lstStyle/>
+                    <a:p>
+                      <a:r>
+                        <a:t>14.190977812951996</a:t>
+                      </a:r>
+                    </a:p>
+                  </a:txBody>
+                  <a:tcPr/>
+                </a:tc>
+              </a:tr>
+              <a:tr h="326571">
+                <a:tc>
+                  <a:txBody>
+                    <a:bodyPr/>
+                    <a:lstStyle/>
+                    <a:p>
+                      <a:r>
                         <a:t>Time spent in 40-50 km/h</a:t>
                       </a:r>
                     </a:p>
@@ -4558,7 +4584,7 @@
                     <a:lstStyle/>
                     <a:p>
                       <a:r>
-                        <a:t>8.711077149796687</a:t>
+                        <a:t>8.708348115601888</a:t>
                       </a:r>
                     </a:p>
                   </a:txBody>
@@ -4584,7 +4610,7 @@
                     <a:lstStyle/>
                     <a:p>
                       <a:r>
-                        <a:t>6.555140135905903</a:t>
+                        <a:t>6.5360368965423135</a:t>
                       </a:r>
                     </a:p>
                   </a:txBody>
@@ -4610,7 +4636,7 @@
                     <a:lstStyle/>
                     <a:p>
                       <a:r>
-                        <a:t>14.488442540185028</a:t>
+                        <a:t>14.48571350599023</a:t>
                       </a:r>
                     </a:p>
                   </a:txBody>
@@ -4622,15 +4648,23 @@
                   <a:txBody>
                     <a:bodyPr/>
                     <a:lstStyle/>
-                    <a:p/>
-                  </a:txBody>
-                  <a:tcPr/>
-                </a:tc>
-                <a:tc>
-                  <a:txBody>
-                    <a:bodyPr/>
-                    <a:lstStyle/>
-                    <a:p/>
+                    <a:p>
+                      <a:r>
+                        <a:t>Time spent in 70-80 km/h</a:t>
+                      </a:r>
+                    </a:p>
+                  </a:txBody>
+                  <a:tcPr/>
+                </a:tc>
+                <a:tc>
+                  <a:txBody>
+                    <a:bodyPr/>
+                    <a:lstStyle/>
+                    <a:p>
+                      <a:r>
+                        <a:t>10.61867205196081</a:t>
+                      </a:r>
+                    </a:p>
                   </a:txBody>
                   <a:tcPr/>
                 </a:tc>
@@ -4640,33 +4674,23 @@
                   <a:txBody>
                     <a:bodyPr/>
                     <a:lstStyle/>
-                    <a:p/>
-                  </a:txBody>
-                  <a:tcPr/>
-                </a:tc>
-                <a:tc>
-                  <a:txBody>
-                    <a:bodyPr/>
-                    <a:lstStyle/>
-                    <a:p/>
-                  </a:txBody>
-                  <a:tcPr/>
-                </a:tc>
-              </a:tr>
-              <a:tr h="326571">
-                <a:tc>
-                  <a:txBody>
-                    <a:bodyPr/>
-                    <a:lstStyle/>
-                    <a:p/>
-                  </a:txBody>
-                  <a:tcPr/>
-                </a:tc>
-                <a:tc>
-                  <a:txBody>
-                    <a:bodyPr/>
-                    <a:lstStyle/>
-                    <a:p/>
+                    <a:p>
+                      <a:r>
+                        <a:t>Time spent in 80-90 km/h</a:t>
+                      </a:r>
+                    </a:p>
+                  </a:txBody>
+                  <a:tcPr/>
+                </a:tc>
+                <a:tc>
+                  <a:txBody>
+                    <a:bodyPr/>
+                    <a:lstStyle/>
+                    <a:p>
+                      <a:r>
+                        <a:t>0.0</a:t>
+                      </a:r>
+                    </a:p>
                   </a:txBody>
                   <a:tcPr/>
                 </a:tc>
